--- a/InfoSec/PPTs/CH04-Access Control NEW.pptx
+++ b/InfoSec/PPTs/CH04-Access Control NEW.pptx
@@ -5,10 +5,10 @@
     <p:sldMasterId id="2147483878" r:id="rId1"/>
   </p:sldMasterIdLst>
   <p:notesMasterIdLst>
-    <p:notesMasterId r:id="rId41"/>
+    <p:notesMasterId r:id="rId40"/>
   </p:notesMasterIdLst>
   <p:handoutMasterIdLst>
-    <p:handoutMasterId r:id="rId42"/>
+    <p:handoutMasterId r:id="rId41"/>
   </p:handoutMasterIdLst>
   <p:sldIdLst>
     <p:sldId id="384" r:id="rId2"/>
@@ -49,7 +49,6 @@
     <p:sldId id="465" r:id="rId37"/>
     <p:sldId id="466" r:id="rId38"/>
     <p:sldId id="467" r:id="rId39"/>
-    <p:sldId id="409" r:id="rId40"/>
   </p:sldIdLst>
   <p:sldSz cx="9144000" cy="6858000" type="screen4x3"/>
   <p:notesSz cx="6858000" cy="9144000"/>
@@ -221,7 +220,6 @@
             <p14:sldId id="465"/>
             <p14:sldId id="466"/>
             <p14:sldId id="467"/>
-            <p14:sldId id="409"/>
           </p14:sldIdLst>
         </p14:section>
       </p14:sectionLst>
@@ -353,7 +351,7 @@
             <a:fld id="{999DDEF9-8F79-3F4A-8C1A-CB2E900DCD92}" type="datetimeFigureOut">
               <a:rPr lang="en-US" smtClean="0"/>
               <a:pPr/>
-              <a:t>4/20/2020</a:t>
+              <a:t>4/21/2020</a:t>
             </a:fld>
             <a:endParaRPr lang="en-US"/>
           </a:p>
@@ -7536,114 +7534,6 @@
     <p:extLst>
       <p:ext uri="{BB962C8B-B14F-4D97-AF65-F5344CB8AC3E}">
         <p14:creationId xmlns:p14="http://schemas.microsoft.com/office/powerpoint/2010/main" val="3619682005"/>
-      </p:ext>
-    </p:extLst>
-  </p:cSld>
-  <p:clrMapOvr>
-    <a:masterClrMapping/>
-  </p:clrMapOvr>
-</p:notes>
-</file>
-
-<file path=ppt/notesSlides/notesSlide30.xml><?xml version="1.0" encoding="utf-8"?>
-<p:notes xmlns:a="http://schemas.openxmlformats.org/drawingml/2006/main" xmlns:r="http://schemas.openxmlformats.org/officeDocument/2006/relationships" xmlns:p="http://schemas.openxmlformats.org/presentationml/2006/main">
-  <p:cSld>
-    <p:spTree>
-      <p:nvGrpSpPr>
-        <p:cNvPr id="1" name=""/>
-        <p:cNvGrpSpPr/>
-        <p:nvPr/>
-      </p:nvGrpSpPr>
-      <p:grpSpPr>
-        <a:xfrm>
-          <a:off x="0" y="0"/>
-          <a:ext cx="0" cy="0"/>
-          <a:chOff x="0" y="0"/>
-          <a:chExt cx="0" cy="0"/>
-        </a:xfrm>
-      </p:grpSpPr>
-      <p:sp>
-        <p:nvSpPr>
-          <p:cNvPr id="7" name="Rectangle 7"/>
-          <p:cNvSpPr>
-            <a:spLocks noGrp="1" noChangeArrowheads="1"/>
-          </p:cNvSpPr>
-          <p:nvPr>
-            <p:ph type="sldNum" sz="quarter" idx="5"/>
-          </p:nvPr>
-        </p:nvSpPr>
-        <p:spPr>
-          <a:ln/>
-        </p:spPr>
-        <p:txBody>
-          <a:bodyPr/>
-          <a:lstStyle/>
-          <a:p>
-            <a:fld id="{8AAF8046-0263-F74C-BDB1-E6E78A850B0B}" type="slidenum">
-              <a:rPr lang="en-AU">
-                <a:solidFill>
-                  <a:srgbClr val="000000"/>
-                </a:solidFill>
-              </a:rPr>
-              <a:pPr/>
-              <a:t>39</a:t>
-            </a:fld>
-            <a:endParaRPr lang="en-AU" dirty="0">
-              <a:solidFill>
-                <a:srgbClr val="000000"/>
-              </a:solidFill>
-            </a:endParaRPr>
-          </a:p>
-        </p:txBody>
-      </p:sp>
-      <p:sp>
-        <p:nvSpPr>
-          <p:cNvPr id="206852" name="Rectangle 4"/>
-          <p:cNvSpPr>
-            <a:spLocks noGrp="1" noRot="1" noChangeAspect="1" noChangeArrowheads="1" noTextEdit="1"/>
-          </p:cNvSpPr>
-          <p:nvPr>
-            <p:ph type="sldImg"/>
-          </p:nvPr>
-        </p:nvSpPr>
-        <p:spPr>
-          <a:ln/>
-        </p:spPr>
-      </p:sp>
-      <p:sp>
-        <p:nvSpPr>
-          <p:cNvPr id="206853" name="Rectangle 5"/>
-          <p:cNvSpPr>
-            <a:spLocks noGrp="1" noChangeArrowheads="1"/>
-          </p:cNvSpPr>
-          <p:nvPr>
-            <p:ph type="body" idx="1"/>
-          </p:nvPr>
-        </p:nvSpPr>
-        <p:spPr/>
-        <p:txBody>
-          <a:bodyPr/>
-          <a:lstStyle/>
-          <a:p>
-            <a:r>
-              <a:rPr lang="en-US">
-                <a:latin typeface="Times New Roman" pitchFamily="-107" charset="0"/>
-              </a:rPr>
-              <a:t>Chapter 4 </a:t>
-            </a:r>
-            <a:r>
-              <a:rPr lang="en-US" dirty="0">
-                <a:latin typeface="Times New Roman" pitchFamily="-107" charset="0"/>
-              </a:rPr>
-              <a:t>summary.</a:t>
-            </a:r>
-          </a:p>
-        </p:txBody>
-      </p:sp>
-    </p:spTree>
-    <p:extLst>
-      <p:ext uri="{BB962C8B-B14F-4D97-AF65-F5344CB8AC3E}">
-        <p14:creationId xmlns:p14="http://schemas.microsoft.com/office/powerpoint/2010/main" val="3418346760"/>
       </p:ext>
     </p:extLst>
   </p:cSld>
@@ -13256,7 +13146,7 @@
           <a:graphicData uri="http://schemas.openxmlformats.org/presentationml/2006/ole">
             <mc:AlternateContent xmlns:mc="http://schemas.openxmlformats.org/markup-compatibility/2006">
               <mc:Choice xmlns:v="urn:schemas-microsoft-com:vml" Requires="v">
-                <p:oleObj spid="_x0000_s1028" name="Document" r:id="rId4" imgW="6083076" imgH="4990916" progId="Word.Document.12">
+                <p:oleObj spid="_x0000_s1030" name="Document" r:id="rId4" imgW="6083076" imgH="4990916" progId="Word.Document.12">
                   <p:embed/>
                 </p:oleObj>
               </mc:Choice>
@@ -22977,7 +22867,7 @@
         </p:blipFill>
         <p:spPr>
           <a:xfrm>
-            <a:off x="2731824" y="2848016"/>
+            <a:off x="2123728" y="3004348"/>
             <a:ext cx="5269176" cy="3817667"/>
           </a:xfrm>
           <a:prstGeom prst="rect">
@@ -22991,289 +22881,6 @@
         <p14:creationId xmlns:p14="http://schemas.microsoft.com/office/powerpoint/2010/main" val="534669817"/>
       </p:ext>
     </p:extLst>
-  </p:cSld>
-  <p:clrMapOvr>
-    <a:masterClrMapping/>
-  </p:clrMapOvr>
-</p:sld>
-</file>
-
-<file path=ppt/slides/slide39.xml><?xml version="1.0" encoding="utf-8"?>
-<p:sld xmlns:a="http://schemas.openxmlformats.org/drawingml/2006/main" xmlns:r="http://schemas.openxmlformats.org/officeDocument/2006/relationships" xmlns:p="http://schemas.openxmlformats.org/presentationml/2006/main">
-  <p:cSld>
-    <p:spTree>
-      <p:nvGrpSpPr>
-        <p:cNvPr id="1" name=""/>
-        <p:cNvGrpSpPr/>
-        <p:nvPr/>
-      </p:nvGrpSpPr>
-      <p:grpSpPr>
-        <a:xfrm>
-          <a:off x="0" y="0"/>
-          <a:ext cx="0" cy="0"/>
-          <a:chOff x="0" y="0"/>
-          <a:chExt cx="0" cy="0"/>
-        </a:xfrm>
-      </p:grpSpPr>
-      <p:sp>
-        <p:nvSpPr>
-          <p:cNvPr id="205826" name="Rectangle 2"/>
-          <p:cNvSpPr>
-            <a:spLocks noGrp="1" noChangeArrowheads="1"/>
-          </p:cNvSpPr>
-          <p:nvPr>
-            <p:ph type="title"/>
-          </p:nvPr>
-        </p:nvSpPr>
-        <p:spPr/>
-        <p:txBody>
-          <a:bodyPr/>
-          <a:lstStyle/>
-          <a:p>
-            <a:r>
-              <a:rPr lang="en-US" dirty="0">
-                <a:solidFill>
-                  <a:schemeClr val="accent6">
-                    <a:lumMod val="60000"/>
-                    <a:lumOff val="40000"/>
-                  </a:schemeClr>
-                </a:solidFill>
-              </a:rPr>
-              <a:t>Summary</a:t>
-            </a:r>
-            <a:endParaRPr lang="en-AU" dirty="0">
-              <a:solidFill>
-                <a:schemeClr val="accent6">
-                  <a:lumMod val="60000"/>
-                  <a:lumOff val="40000"/>
-                </a:schemeClr>
-              </a:solidFill>
-            </a:endParaRPr>
-          </a:p>
-        </p:txBody>
-      </p:sp>
-      <p:sp>
-        <p:nvSpPr>
-          <p:cNvPr id="11" name="Content Placeholder 10"/>
-          <p:cNvSpPr>
-            <a:spLocks noGrp="1"/>
-          </p:cNvSpPr>
-          <p:nvPr>
-            <p:ph idx="1"/>
-          </p:nvPr>
-        </p:nvSpPr>
-        <p:spPr/>
-        <p:txBody>
-          <a:bodyPr>
-            <a:normAutofit/>
-          </a:bodyPr>
-          <a:lstStyle/>
-          <a:p>
-            <a:pPr marL="342900" lvl="1" indent="-342900">
-              <a:buFont typeface="Arial" pitchFamily="34" charset="0"/>
-              <a:buChar char="•"/>
-            </a:pPr>
-            <a:r>
-              <a:rPr lang="en-AU" sz="2400" dirty="0"/>
-              <a:t>Attribute-based access control</a:t>
-            </a:r>
-          </a:p>
-          <a:p>
-            <a:pPr lvl="1"/>
-            <a:r>
-              <a:rPr lang="en-AU" sz="1500" dirty="0"/>
-              <a:t>Attributes</a:t>
-            </a:r>
-          </a:p>
-          <a:p>
-            <a:pPr lvl="1"/>
-            <a:r>
-              <a:rPr lang="en-AU" sz="1500" dirty="0"/>
-              <a:t>ABAC logical architecture</a:t>
-            </a:r>
-          </a:p>
-          <a:p>
-            <a:pPr lvl="1"/>
-            <a:r>
-              <a:rPr lang="en-AU" sz="1500" dirty="0"/>
-              <a:t>ABAC policies</a:t>
-            </a:r>
-          </a:p>
-        </p:txBody>
-      </p:sp>
-      <p:sp>
-        <p:nvSpPr>
-          <p:cNvPr id="3" name="灯片编号占位符 2"/>
-          <p:cNvSpPr>
-            <a:spLocks noGrp="1"/>
-          </p:cNvSpPr>
-          <p:nvPr>
-            <p:ph type="sldNum" sz="quarter" idx="12"/>
-          </p:nvPr>
-        </p:nvSpPr>
-        <p:spPr/>
-        <p:txBody>
-          <a:bodyPr/>
-          <a:lstStyle/>
-          <a:p>
-            <a:fld id="{6D5DF91A-7C92-3743-8A2E-356816C55239}" type="slidenum">
-              <a:rPr lang="en-US" smtClean="0">
-                <a:solidFill>
-                  <a:prstClr val="white">
-                    <a:lumMod val="65000"/>
-                    <a:lumOff val="35000"/>
-                  </a:prstClr>
-                </a:solidFill>
-              </a:rPr>
-              <a:pPr/>
-              <a:t>39</a:t>
-            </a:fld>
-            <a:endParaRPr lang="en-US" dirty="0">
-              <a:solidFill>
-                <a:prstClr val="white">
-                  <a:lumMod val="65000"/>
-                  <a:lumOff val="35000"/>
-                </a:prstClr>
-              </a:solidFill>
-            </a:endParaRPr>
-          </a:p>
-        </p:txBody>
-      </p:sp>
-      <p:sp>
-        <p:nvSpPr>
-          <p:cNvPr id="2" name="Content Placeholder 1"/>
-          <p:cNvSpPr>
-            <a:spLocks noGrp="1"/>
-          </p:cNvSpPr>
-          <p:nvPr>
-            <p:ph sz="quarter" idx="4294967295"/>
-          </p:nvPr>
-        </p:nvSpPr>
-        <p:spPr>
-          <a:xfrm>
-            <a:off x="0" y="1268413"/>
-            <a:ext cx="4041775" cy="5373687"/>
-          </a:xfrm>
-        </p:spPr>
-        <p:txBody>
-          <a:bodyPr>
-            <a:normAutofit fontScale="62500" lnSpcReduction="20000"/>
-          </a:bodyPr>
-          <a:lstStyle/>
-          <a:p>
-            <a:r>
-              <a:rPr lang="en-US" dirty="0"/>
-              <a:t>Access control principles</a:t>
-            </a:r>
-          </a:p>
-          <a:p>
-            <a:pPr lvl="1"/>
-            <a:r>
-              <a:rPr lang="en-US" dirty="0"/>
-              <a:t>Access control context</a:t>
-            </a:r>
-          </a:p>
-          <a:p>
-            <a:pPr lvl="1"/>
-            <a:r>
-              <a:rPr lang="en-US" dirty="0"/>
-              <a:t>Access control policies</a:t>
-            </a:r>
-          </a:p>
-          <a:p>
-            <a:r>
-              <a:rPr lang="en-US" dirty="0"/>
-              <a:t>Subjects, objects, and access rights</a:t>
-            </a:r>
-          </a:p>
-          <a:p>
-            <a:r>
-              <a:rPr lang="en-US" dirty="0"/>
-              <a:t>Discretionary access control</a:t>
-            </a:r>
-          </a:p>
-          <a:p>
-            <a:pPr lvl="1"/>
-            <a:r>
-              <a:rPr lang="en-US" dirty="0"/>
-              <a:t>Access control model</a:t>
-            </a:r>
-          </a:p>
-          <a:p>
-            <a:pPr lvl="1"/>
-            <a:r>
-              <a:rPr lang="en-US" dirty="0"/>
-              <a:t>Protection domains</a:t>
-            </a:r>
-          </a:p>
-          <a:p>
-            <a:r>
-              <a:rPr lang="en-US" dirty="0"/>
-              <a:t>UNIX file access control</a:t>
-            </a:r>
-          </a:p>
-          <a:p>
-            <a:pPr lvl="1"/>
-            <a:r>
-              <a:rPr lang="en-US" dirty="0"/>
-              <a:t>Traditional UNIX file access control</a:t>
-            </a:r>
-          </a:p>
-          <a:p>
-            <a:pPr lvl="1"/>
-            <a:r>
-              <a:rPr lang="en-US" dirty="0"/>
-              <a:t>Access control lists in UNIX</a:t>
-            </a:r>
-          </a:p>
-          <a:p>
-            <a:r>
-              <a:rPr lang="en-US" dirty="0"/>
-              <a:t>Role-based access control</a:t>
-            </a:r>
-          </a:p>
-          <a:p>
-            <a:pPr lvl="1"/>
-            <a:r>
-              <a:rPr lang="en-US" dirty="0"/>
-              <a:t>RBAC reference models</a:t>
-            </a:r>
-          </a:p>
-        </p:txBody>
-      </p:sp>
-      <p:pic>
-        <p:nvPicPr>
-          <p:cNvPr id="8" name="Picture 7"/>
-          <p:cNvPicPr>
-            <a:picLocks noChangeAspect="1"/>
-          </p:cNvPicPr>
-          <p:nvPr/>
-        </p:nvPicPr>
-        <p:blipFill rotWithShape="1">
-          <a:blip r:embed="rId3" cstate="screen">
-            <a:extLst>
-              <a:ext uri="{28A0092B-C50C-407E-A947-70E740481C1C}">
-                <a14:useLocalDpi xmlns:a14="http://schemas.microsoft.com/office/drawing/2010/main"/>
-              </a:ext>
-            </a:extLst>
-          </a:blip>
-          <a:srcRect r="-1190"/>
-          <a:stretch/>
-        </p:blipFill>
-        <p:spPr>
-          <a:xfrm>
-            <a:off x="3635896" y="2564904"/>
-            <a:ext cx="1872208" cy="1604244"/>
-          </a:xfrm>
-          <a:prstGeom prst="round1Rect">
-            <a:avLst/>
-          </a:prstGeom>
-          <a:effectLst>
-            <a:softEdge rad="127000"/>
-          </a:effectLst>
-        </p:spPr>
-      </p:pic>
-    </p:spTree>
   </p:cSld>
   <p:clrMapOvr>
     <a:masterClrMapping/>

--- a/InfoSec/PPTs/CH04-Access Control NEW.pptx
+++ b/InfoSec/PPTs/CH04-Access Control NEW.pptx
@@ -13146,7 +13146,7 @@
           <a:graphicData uri="http://schemas.openxmlformats.org/presentationml/2006/ole">
             <mc:AlternateContent xmlns:mc="http://schemas.openxmlformats.org/markup-compatibility/2006">
               <mc:Choice xmlns:v="urn:schemas-microsoft-com:vml" Requires="v">
-                <p:oleObj spid="_x0000_s1030" name="Document" r:id="rId4" imgW="6083076" imgH="4990916" progId="Word.Document.12">
+                <p:oleObj spid="_x0000_s1031" name="Document" r:id="rId4" imgW="6083076" imgH="4990916" progId="Word.Document.12">
                   <p:embed/>
                 </p:oleObj>
               </mc:Choice>
@@ -21031,8 +21031,12 @@
               <a:defRPr/>
             </a:pPr>
             <a:r>
+              <a:rPr lang="en-US" altLang="zh-CN"/>
+              <a:t>Authentication and </a:t>
+            </a:r>
+            <a:r>
               <a:rPr lang="en-US" altLang="zh-CN" dirty="0"/>
-              <a:t>Authentication vs. Access Control</a:t>
+              <a:t>Access Control</a:t>
             </a:r>
             <a:endParaRPr lang="en-US" dirty="0">
               <a:solidFill>
